--- a/docs/L&L WebSockets tutorial 2022-10-06.pptx
+++ b/docs/L&L WebSockets tutorial 2022-10-06.pptx
@@ -25,6 +25,7 @@
     <p:sldId id="267" r:id="rId20"/>
     <p:sldId id="268" r:id="rId21"/>
     <p:sldId id="269" r:id="rId22"/>
+    <p:sldId id="270" r:id="rId23"/>
   </p:sldIdLst>
   <p:sldSz cx="12192000" cy="6858000"/>
   <p:notesSz cx="7772400" cy="10058400"/>
@@ -13961,7 +13962,7 @@
                 <a:latin typeface="Roboto"/>
                 <a:ea typeface="Roboto"/>
               </a:rPr>
-              <a:t>Raw poker planning test page</a:t>
+              <a:t>2 open source projects</a:t>
             </a:r>
             <a:endParaRPr b="0" lang="en-CA" sz="3000" spc="-1" strike="noStrike">
               <a:latin typeface="Arial"/>
@@ -13969,20 +13970,138 @@
           </a:p>
         </p:txBody>
       </p:sp>
+      <p:sp>
+        <p:nvSpPr>
+          <p:cNvPr id="324" name="TextShape 2"/>
+          <p:cNvSpPr txBox="1"/>
+          <p:nvPr/>
+        </p:nvSpPr>
+        <p:spPr>
+          <a:xfrm>
+            <a:off x="3312000" y="1025280"/>
+            <a:ext cx="4809240" cy="1343160"/>
+          </a:xfrm>
+          <a:prstGeom prst="rect">
+            <a:avLst/>
+          </a:prstGeom>
+          <a:noFill/>
+          <a:ln>
+            <a:noFill/>
+          </a:ln>
+        </p:spPr>
+        <p:txBody>
+          <a:bodyPr lIns="90000" rIns="90000" tIns="45000" bIns="45000">
+            <a:noAutofit/>
+          </a:bodyPr>
+          <a:p>
+            <a:r>
+              <a:rPr b="0" lang="en-US" sz="1400" spc="-1" strike="noStrike">
+                <a:solidFill>
+                  <a:srgbClr val="55575b"/>
+                </a:solidFill>
+                <a:latin typeface="Roboto"/>
+                <a:ea typeface="Roboto"/>
+              </a:rPr>
+              <a:t>Web socket server GitHub repository</a:t>
+            </a:r>
+            <a:endParaRPr b="0" lang="en-CA" sz="1400" spc="-1" strike="noStrike">
+              <a:latin typeface="Arial"/>
+            </a:endParaRPr>
+          </a:p>
+          <a:p>
+            <a:r>
+              <a:rPr b="0" lang="en-US" sz="1400" spc="-1" strike="noStrike" u="sng">
+                <a:solidFill>
+                  <a:srgbClr val="0000ff"/>
+                </a:solidFill>
+                <a:uFillTx/>
+                <a:latin typeface="Roboto"/>
+                <a:ea typeface="Roboto"/>
+                <a:hlinkClick r:id="rId1"/>
+              </a:rPr>
+              <a:t>https://github.com/amwebexpert/ws-poker-planning</a:t>
+            </a:r>
+            <a:br/>
+            <a:endParaRPr b="0" lang="en-CA" sz="1400" spc="-1" strike="noStrike">
+              <a:latin typeface="Arial"/>
+            </a:endParaRPr>
+          </a:p>
+          <a:p>
+            <a:r>
+              <a:rPr b="0" lang="en-US" sz="1400" spc="-1" strike="noStrike">
+                <a:solidFill>
+                  <a:srgbClr val="55575b"/>
+                </a:solidFill>
+                <a:latin typeface="Roboto"/>
+                <a:ea typeface="Roboto"/>
+              </a:rPr>
+              <a:t>Web socket client GitHub repository</a:t>
+            </a:r>
+            <a:endParaRPr b="0" lang="en-CA" sz="1400" spc="-1" strike="noStrike">
+              <a:latin typeface="Arial"/>
+            </a:endParaRPr>
+          </a:p>
+          <a:p>
+            <a:r>
+              <a:rPr b="0" lang="en-US" sz="1400" spc="-1" strike="noStrike" u="sng">
+                <a:solidFill>
+                  <a:srgbClr val="55575b"/>
+                </a:solidFill>
+                <a:uFillTx/>
+                <a:latin typeface="Roboto"/>
+                <a:ea typeface="Roboto"/>
+                <a:hlinkClick r:id="rId2"/>
+              </a:rPr>
+              <a:t>https://github.com/amwebexpert/etoolbox</a:t>
+            </a:r>
+            <a:endParaRPr b="0" lang="en-CA" sz="1400" spc="-1" strike="noStrike">
+              <a:latin typeface="Arial"/>
+            </a:endParaRPr>
+          </a:p>
+          <a:p>
+            <a:endParaRPr b="0" lang="en-CA" sz="1400" spc="-1" strike="noStrike">
+              <a:latin typeface="Arial"/>
+            </a:endParaRPr>
+          </a:p>
+        </p:txBody>
+      </p:sp>
       <p:pic>
         <p:nvPicPr>
-          <p:cNvPr id="324" name="" descr=""/>
+          <p:cNvPr id="325" name="" descr=""/>
           <p:cNvPicPr/>
           <p:nvPr/>
         </p:nvPicPr>
         <p:blipFill>
-          <a:blip r:embed="rId1"/>
+          <a:blip r:embed="rId3"/>
           <a:stretch/>
         </p:blipFill>
         <p:spPr>
           <a:xfrm>
-            <a:off x="936000" y="1152000"/>
-            <a:ext cx="9106560" cy="5122440"/>
+            <a:off x="460080" y="2448000"/>
+            <a:ext cx="5196240" cy="3693960"/>
+          </a:xfrm>
+          <a:prstGeom prst="rect">
+            <a:avLst/>
+          </a:prstGeom>
+          <a:ln>
+            <a:noFill/>
+          </a:ln>
+        </p:spPr>
+      </p:pic>
+      <p:pic>
+        <p:nvPicPr>
+          <p:cNvPr id="326" name="" descr=""/>
+          <p:cNvPicPr/>
+          <p:nvPr/>
+        </p:nvPicPr>
+        <p:blipFill>
+          <a:blip r:embed="rId4"/>
+          <a:stretch/>
+        </p:blipFill>
+        <p:spPr>
+          <a:xfrm>
+            <a:off x="6187320" y="2448000"/>
+            <a:ext cx="5165640" cy="3672000"/>
           </a:xfrm>
           <a:prstGeom prst="rect">
             <a:avLst/>
@@ -14026,9 +14145,66 @@
           <a:chExt cx="0" cy="0"/>
         </a:xfrm>
       </p:grpSpPr>
+      <p:sp>
+        <p:nvSpPr>
+          <p:cNvPr id="327" name="CustomShape 1"/>
+          <p:cNvSpPr/>
+          <p:nvPr/>
+        </p:nvSpPr>
+        <p:spPr>
+          <a:xfrm>
+            <a:off x="609480" y="375480"/>
+            <a:ext cx="9600840" cy="417960"/>
+          </a:xfrm>
+          <a:prstGeom prst="rect">
+            <a:avLst/>
+          </a:prstGeom>
+          <a:noFill/>
+          <a:ln>
+            <a:noFill/>
+          </a:ln>
+        </p:spPr>
+        <p:style>
+          <a:lnRef idx="0"/>
+          <a:fillRef idx="0"/>
+          <a:effectRef idx="0"/>
+          <a:fontRef idx="minor"/>
+        </p:style>
+        <p:txBody>
+          <a:bodyPr lIns="0" rIns="0" tIns="0" bIns="0">
+            <a:normAutofit/>
+          </a:bodyPr>
+          <a:p>
+            <a:pPr>
+              <a:lnSpc>
+                <a:spcPct val="90000"/>
+              </a:lnSpc>
+              <a:spcAft>
+                <a:spcPts val="601"/>
+              </a:spcAft>
+              <a:tabLst>
+                <a:tab algn="l" pos="204120"/>
+              </a:tabLst>
+            </a:pPr>
+            <a:r>
+              <a:rPr b="1" lang="fr-CA" sz="3000" spc="-1" strike="noStrike">
+                <a:solidFill>
+                  <a:srgbClr val="144658"/>
+                </a:solidFill>
+                <a:latin typeface="Roboto"/>
+                <a:ea typeface="Roboto"/>
+              </a:rPr>
+              <a:t>Raw poker planning test page</a:t>
+            </a:r>
+            <a:endParaRPr b="0" lang="en-CA" sz="3000" spc="-1" strike="noStrike">
+              <a:latin typeface="Arial"/>
+            </a:endParaRPr>
+          </a:p>
+        </p:txBody>
+      </p:sp>
       <p:pic>
         <p:nvPicPr>
-          <p:cNvPr id="325" name="Picture 226" descr=""/>
+          <p:cNvPr id="328" name="" descr=""/>
           <p:cNvPicPr/>
           <p:nvPr/>
         </p:nvPicPr>
@@ -14038,8 +14214,8 @@
         </p:blipFill>
         <p:spPr>
           <a:xfrm>
-            <a:off x="585000" y="678600"/>
-            <a:ext cx="11022120" cy="5500440"/>
+            <a:off x="936000" y="1152000"/>
+            <a:ext cx="9106560" cy="5122440"/>
           </a:xfrm>
           <a:prstGeom prst="rect">
             <a:avLst/>
@@ -14083,280 +14259,29 @@
           <a:chExt cx="0" cy="0"/>
         </a:xfrm>
       </p:grpSpPr>
-      <p:sp>
-        <p:nvSpPr>
-          <p:cNvPr id="326" name="CustomShape 1"/>
-          <p:cNvSpPr/>
+      <p:pic>
+        <p:nvPicPr>
+          <p:cNvPr id="329" name="Picture 226" descr=""/>
+          <p:cNvPicPr/>
           <p:nvPr/>
-        </p:nvSpPr>
-        <p:spPr>
-          <a:xfrm>
-            <a:off x="609480" y="375480"/>
-            <a:ext cx="9600840" cy="417960"/>
-          </a:xfrm>
-          <a:prstGeom prst="rect">
-            <a:avLst/>
-          </a:prstGeom>
-          <a:noFill/>
+        </p:nvPicPr>
+        <p:blipFill>
+          <a:blip r:embed="rId1"/>
+          <a:stretch/>
+        </p:blipFill>
+        <p:spPr>
+          <a:xfrm>
+            <a:off x="585000" y="678600"/>
+            <a:ext cx="11022120" cy="5500440"/>
+          </a:xfrm>
+          <a:prstGeom prst="rect">
+            <a:avLst/>
+          </a:prstGeom>
           <a:ln>
             <a:noFill/>
           </a:ln>
         </p:spPr>
-        <p:style>
-          <a:lnRef idx="0"/>
-          <a:fillRef idx="0"/>
-          <a:effectRef idx="0"/>
-          <a:fontRef idx="minor"/>
-        </p:style>
-        <p:txBody>
-          <a:bodyPr lIns="0" rIns="0" tIns="0" bIns="0">
-            <a:normAutofit/>
-          </a:bodyPr>
-          <a:p>
-            <a:pPr>
-              <a:lnSpc>
-                <a:spcPct val="90000"/>
-              </a:lnSpc>
-              <a:spcAft>
-                <a:spcPts val="601"/>
-              </a:spcAft>
-              <a:tabLst>
-                <a:tab algn="l" pos="204120"/>
-              </a:tabLst>
-            </a:pPr>
-            <a:r>
-              <a:rPr b="1" lang="fr-CA" sz="3000" spc="-1" strike="noStrike">
-                <a:solidFill>
-                  <a:srgbClr val="144658"/>
-                </a:solidFill>
-                <a:latin typeface="Roboto"/>
-                <a:ea typeface="Roboto"/>
-              </a:rPr>
-              <a:t>Other considerations</a:t>
-            </a:r>
-            <a:endParaRPr b="0" lang="en-CA" sz="3000" spc="-1" strike="noStrike">
-              <a:latin typeface="Arial"/>
-            </a:endParaRPr>
-          </a:p>
-        </p:txBody>
-      </p:sp>
-      <p:sp>
-        <p:nvSpPr>
-          <p:cNvPr id="327" name="CustomShape 2"/>
-          <p:cNvSpPr/>
-          <p:nvPr/>
-        </p:nvSpPr>
-        <p:spPr>
-          <a:xfrm>
-            <a:off x="609480" y="1371600"/>
-            <a:ext cx="10972440" cy="4800240"/>
-          </a:xfrm>
-          <a:prstGeom prst="rect">
-            <a:avLst/>
-          </a:prstGeom>
-          <a:noFill/>
-          <a:ln>
-            <a:noFill/>
-          </a:ln>
-        </p:spPr>
-        <p:style>
-          <a:lnRef idx="0"/>
-          <a:fillRef idx="0"/>
-          <a:effectRef idx="0"/>
-          <a:fontRef idx="minor"/>
-        </p:style>
-        <p:txBody>
-          <a:bodyPr lIns="0" rIns="0" tIns="0" bIns="0">
-            <a:normAutofit/>
-          </a:bodyPr>
-          <a:p>
-            <a:pPr marL="228600" indent="-227880">
-              <a:lnSpc>
-                <a:spcPct val="90000"/>
-              </a:lnSpc>
-              <a:spcBef>
-                <a:spcPts val="1001"/>
-              </a:spcBef>
-              <a:buClr>
-                <a:srgbClr val="8cc63f"/>
-              </a:buClr>
-              <a:buFont typeface="Arial"/>
-              <a:buChar char="•"/>
-              <a:tabLst>
-                <a:tab algn="l" pos="204120"/>
-              </a:tabLst>
-            </a:pPr>
-            <a:r>
-              <a:rPr b="0" lang="en-US" sz="1400" spc="-1" strike="noStrike">
-                <a:solidFill>
-                  <a:srgbClr val="55575b"/>
-                </a:solidFill>
-                <a:latin typeface="Roboto"/>
-                <a:ea typeface="Roboto"/>
-              </a:rPr>
-              <a:t>can send/receive text OR binary data (string, Blob, ArrayBuffer)</a:t>
-            </a:r>
-            <a:endParaRPr b="0" lang="en-CA" sz="1400" spc="-1" strike="noStrike">
-              <a:latin typeface="Arial"/>
-            </a:endParaRPr>
-          </a:p>
-          <a:p>
-            <a:pPr marL="228600" indent="-227880">
-              <a:lnSpc>
-                <a:spcPct val="90000"/>
-              </a:lnSpc>
-              <a:spcBef>
-                <a:spcPts val="1001"/>
-              </a:spcBef>
-              <a:buClr>
-                <a:srgbClr val="8cc63f"/>
-              </a:buClr>
-              <a:buFont typeface="Arial"/>
-              <a:buChar char="•"/>
-              <a:tabLst>
-                <a:tab algn="l" pos="204120"/>
-              </a:tabLst>
-            </a:pPr>
-            <a:r>
-              <a:rPr b="0" lang="en-US" sz="1400" spc="-1" strike="noStrike">
-                <a:solidFill>
-                  <a:srgbClr val="55575b"/>
-                </a:solidFill>
-                <a:latin typeface="Roboto"/>
-                <a:ea typeface="Roboto"/>
-              </a:rPr>
-              <a:t>does not include reconnection, authentication and many other high-level mechanisms. So there are client/server libraries for that, and it’s also possible to implement these capabilities manually</a:t>
-            </a:r>
-            <a:endParaRPr b="0" lang="en-CA" sz="1400" spc="-1" strike="noStrike">
-              <a:latin typeface="Arial"/>
-            </a:endParaRPr>
-          </a:p>
-          <a:p>
-            <a:pPr marL="228600" indent="-227880">
-              <a:lnSpc>
-                <a:spcPct val="90000"/>
-              </a:lnSpc>
-              <a:spcBef>
-                <a:spcPts val="1001"/>
-              </a:spcBef>
-              <a:buClr>
-                <a:srgbClr val="8cc63f"/>
-              </a:buClr>
-              <a:buFont typeface="Arial"/>
-              <a:buChar char="•"/>
-              <a:tabLst>
-                <a:tab algn="l" pos="204120"/>
-              </a:tabLst>
-            </a:pPr>
-            <a:r>
-              <a:rPr b="0" lang="en-US" sz="1400" spc="-1" strike="noStrike">
-                <a:solidFill>
-                  <a:srgbClr val="55575b"/>
-                </a:solidFill>
-                <a:latin typeface="Roboto"/>
-                <a:ea typeface="Roboto"/>
-              </a:rPr>
-              <a:t>the rate of data transmission (message chunks) can be limited and buffered</a:t>
-            </a:r>
-            <a:endParaRPr b="0" lang="en-CA" sz="1400" spc="-1" strike="noStrike">
-              <a:latin typeface="Arial"/>
-            </a:endParaRPr>
-          </a:p>
-          <a:p>
-            <a:pPr marL="228600" indent="-227880">
-              <a:lnSpc>
-                <a:spcPct val="90000"/>
-              </a:lnSpc>
-              <a:spcBef>
-                <a:spcPts val="1001"/>
-              </a:spcBef>
-              <a:buClr>
-                <a:srgbClr val="8cc63f"/>
-              </a:buClr>
-              <a:buFont typeface="Arial"/>
-              <a:buChar char="•"/>
-              <a:tabLst>
-                <a:tab algn="l" pos="204120"/>
-              </a:tabLst>
-            </a:pPr>
-            <a:r>
-              <a:rPr b="0" lang="en-US" sz="1400" spc="-1" strike="noStrike">
-                <a:solidFill>
-                  <a:srgbClr val="55575b"/>
-                </a:solidFill>
-                <a:latin typeface="Roboto"/>
-                <a:ea typeface="Roboto"/>
-              </a:rPr>
-              <a:t>we can deal with close event well known reasons</a:t>
-            </a:r>
-            <a:endParaRPr b="0" lang="en-CA" sz="1400" spc="-1" strike="noStrike">
-              <a:latin typeface="Arial"/>
-            </a:endParaRPr>
-          </a:p>
-          <a:p>
-            <a:pPr marL="228600" indent="-227880">
-              <a:lnSpc>
-                <a:spcPct val="90000"/>
-              </a:lnSpc>
-              <a:spcBef>
-                <a:spcPts val="1001"/>
-              </a:spcBef>
-              <a:buClr>
-                <a:srgbClr val="8cc63f"/>
-              </a:buClr>
-              <a:buFont typeface="Arial"/>
-              <a:buChar char="•"/>
-              <a:tabLst>
-                <a:tab algn="l" pos="204120"/>
-              </a:tabLst>
-            </a:pPr>
-            <a:r>
-              <a:rPr b="0" lang="en-US" sz="1400" spc="-1" strike="noStrike">
-                <a:solidFill>
-                  <a:srgbClr val="55575b"/>
-                </a:solidFill>
-                <a:latin typeface="Roboto"/>
-                <a:ea typeface="Roboto"/>
-              </a:rPr>
-              <a:t>Node.js single thread nature vs multi-threaded engines (like JVM)</a:t>
-            </a:r>
-            <a:endParaRPr b="0" lang="en-CA" sz="1400" spc="-1" strike="noStrike">
-              <a:latin typeface="Arial"/>
-            </a:endParaRPr>
-          </a:p>
-          <a:p>
-            <a:pPr marL="228600" indent="-227880">
-              <a:lnSpc>
-                <a:spcPct val="90000"/>
-              </a:lnSpc>
-              <a:spcBef>
-                <a:spcPts val="1001"/>
-              </a:spcBef>
-              <a:buClr>
-                <a:srgbClr val="8cc63f"/>
-              </a:buClr>
-              <a:buFont typeface="Arial"/>
-              <a:buChar char="•"/>
-              <a:tabLst>
-                <a:tab algn="l" pos="204120"/>
-              </a:tabLst>
-            </a:pPr>
-            <a:r>
-              <a:rPr b="0" lang="en-US" sz="1400" spc="-1" strike="noStrike">
-                <a:solidFill>
-                  <a:srgbClr val="55575b"/>
-                </a:solidFill>
-                <a:latin typeface="Roboto"/>
-                <a:ea typeface="Roboto"/>
-              </a:rPr>
-              <a:t>InMemory vs Database and Messaging services for better scalability (load balancing)</a:t>
-            </a:r>
-            <a:endParaRPr b="0" lang="en-CA" sz="1400" spc="-1" strike="noStrike">
-              <a:latin typeface="Arial"/>
-            </a:endParaRPr>
-          </a:p>
-        </p:txBody>
-      </p:sp>
+      </p:pic>
     </p:spTree>
   </p:cSld>
   <mc:AlternateContent>
@@ -14393,7 +14318,315 @@
       </p:grpSpPr>
       <p:sp>
         <p:nvSpPr>
-          <p:cNvPr id="328" name="CustomShape 1"/>
+          <p:cNvPr id="330" name="CustomShape 1"/>
+          <p:cNvSpPr/>
+          <p:nvPr/>
+        </p:nvSpPr>
+        <p:spPr>
+          <a:xfrm>
+            <a:off x="609480" y="375480"/>
+            <a:ext cx="9600840" cy="417960"/>
+          </a:xfrm>
+          <a:prstGeom prst="rect">
+            <a:avLst/>
+          </a:prstGeom>
+          <a:noFill/>
+          <a:ln>
+            <a:noFill/>
+          </a:ln>
+        </p:spPr>
+        <p:style>
+          <a:lnRef idx="0"/>
+          <a:fillRef idx="0"/>
+          <a:effectRef idx="0"/>
+          <a:fontRef idx="minor"/>
+        </p:style>
+        <p:txBody>
+          <a:bodyPr lIns="0" rIns="0" tIns="0" bIns="0">
+            <a:normAutofit/>
+          </a:bodyPr>
+          <a:p>
+            <a:pPr>
+              <a:lnSpc>
+                <a:spcPct val="90000"/>
+              </a:lnSpc>
+              <a:spcAft>
+                <a:spcPts val="601"/>
+              </a:spcAft>
+              <a:tabLst>
+                <a:tab algn="l" pos="204120"/>
+              </a:tabLst>
+            </a:pPr>
+            <a:r>
+              <a:rPr b="1" lang="fr-CA" sz="3000" spc="-1" strike="noStrike">
+                <a:solidFill>
+                  <a:srgbClr val="144658"/>
+                </a:solidFill>
+                <a:latin typeface="Roboto"/>
+                <a:ea typeface="Roboto"/>
+              </a:rPr>
+              <a:t>Other considerations</a:t>
+            </a:r>
+            <a:endParaRPr b="0" lang="en-CA" sz="3000" spc="-1" strike="noStrike">
+              <a:latin typeface="Arial"/>
+            </a:endParaRPr>
+          </a:p>
+        </p:txBody>
+      </p:sp>
+      <p:sp>
+        <p:nvSpPr>
+          <p:cNvPr id="331" name="CustomShape 2"/>
+          <p:cNvSpPr/>
+          <p:nvPr/>
+        </p:nvSpPr>
+        <p:spPr>
+          <a:xfrm>
+            <a:off x="609480" y="1371600"/>
+            <a:ext cx="10972440" cy="4800240"/>
+          </a:xfrm>
+          <a:prstGeom prst="rect">
+            <a:avLst/>
+          </a:prstGeom>
+          <a:noFill/>
+          <a:ln>
+            <a:noFill/>
+          </a:ln>
+        </p:spPr>
+        <p:style>
+          <a:lnRef idx="0"/>
+          <a:fillRef idx="0"/>
+          <a:effectRef idx="0"/>
+          <a:fontRef idx="minor"/>
+        </p:style>
+        <p:txBody>
+          <a:bodyPr lIns="0" rIns="0" tIns="0" bIns="0">
+            <a:normAutofit/>
+          </a:bodyPr>
+          <a:p>
+            <a:pPr marL="228600" indent="-227880">
+              <a:lnSpc>
+                <a:spcPct val="90000"/>
+              </a:lnSpc>
+              <a:spcBef>
+                <a:spcPts val="1001"/>
+              </a:spcBef>
+              <a:buClr>
+                <a:srgbClr val="8cc63f"/>
+              </a:buClr>
+              <a:buFont typeface="Arial"/>
+              <a:buChar char="•"/>
+              <a:tabLst>
+                <a:tab algn="l" pos="204120"/>
+              </a:tabLst>
+            </a:pPr>
+            <a:r>
+              <a:rPr b="0" lang="en-US" sz="1400" spc="-1" strike="noStrike">
+                <a:solidFill>
+                  <a:srgbClr val="55575b"/>
+                </a:solidFill>
+                <a:latin typeface="Roboto"/>
+                <a:ea typeface="Roboto"/>
+              </a:rPr>
+              <a:t>can send/receive text OR binary data (string, Blob, ArrayBuffer)</a:t>
+            </a:r>
+            <a:endParaRPr b="0" lang="en-CA" sz="1400" spc="-1" strike="noStrike">
+              <a:latin typeface="Arial"/>
+            </a:endParaRPr>
+          </a:p>
+          <a:p>
+            <a:pPr marL="228600" indent="-227880">
+              <a:lnSpc>
+                <a:spcPct val="90000"/>
+              </a:lnSpc>
+              <a:spcBef>
+                <a:spcPts val="1001"/>
+              </a:spcBef>
+              <a:buClr>
+                <a:srgbClr val="8cc63f"/>
+              </a:buClr>
+              <a:buFont typeface="Arial"/>
+              <a:buChar char="•"/>
+              <a:tabLst>
+                <a:tab algn="l" pos="204120"/>
+              </a:tabLst>
+            </a:pPr>
+            <a:r>
+              <a:rPr b="0" lang="en-US" sz="1400" spc="-1" strike="noStrike">
+                <a:solidFill>
+                  <a:srgbClr val="55575b"/>
+                </a:solidFill>
+                <a:latin typeface="Roboto"/>
+                <a:ea typeface="Roboto"/>
+              </a:rPr>
+              <a:t>does not include reconnection, authentication and many other high-level mechanisms. So there are client/server libraries for that, and it’s also possible to implement these capabilities manually</a:t>
+            </a:r>
+            <a:endParaRPr b="0" lang="en-CA" sz="1400" spc="-1" strike="noStrike">
+              <a:latin typeface="Arial"/>
+            </a:endParaRPr>
+          </a:p>
+          <a:p>
+            <a:pPr marL="228600" indent="-227880">
+              <a:lnSpc>
+                <a:spcPct val="90000"/>
+              </a:lnSpc>
+              <a:spcBef>
+                <a:spcPts val="1001"/>
+              </a:spcBef>
+              <a:buClr>
+                <a:srgbClr val="8cc63f"/>
+              </a:buClr>
+              <a:buFont typeface="Arial"/>
+              <a:buChar char="•"/>
+              <a:tabLst>
+                <a:tab algn="l" pos="204120"/>
+              </a:tabLst>
+            </a:pPr>
+            <a:r>
+              <a:rPr b="0" lang="en-US" sz="1400" spc="-1" strike="noStrike">
+                <a:solidFill>
+                  <a:srgbClr val="55575b"/>
+                </a:solidFill>
+                <a:latin typeface="Roboto"/>
+                <a:ea typeface="Roboto"/>
+              </a:rPr>
+              <a:t>the rate of data transmission (message chunks) can be limited and buffered</a:t>
+            </a:r>
+            <a:endParaRPr b="0" lang="en-CA" sz="1400" spc="-1" strike="noStrike">
+              <a:latin typeface="Arial"/>
+            </a:endParaRPr>
+          </a:p>
+          <a:p>
+            <a:pPr marL="228600" indent="-227880">
+              <a:lnSpc>
+                <a:spcPct val="90000"/>
+              </a:lnSpc>
+              <a:spcBef>
+                <a:spcPts val="1001"/>
+              </a:spcBef>
+              <a:buClr>
+                <a:srgbClr val="8cc63f"/>
+              </a:buClr>
+              <a:buFont typeface="Arial"/>
+              <a:buChar char="•"/>
+              <a:tabLst>
+                <a:tab algn="l" pos="204120"/>
+              </a:tabLst>
+            </a:pPr>
+            <a:r>
+              <a:rPr b="0" lang="en-US" sz="1400" spc="-1" strike="noStrike">
+                <a:solidFill>
+                  <a:srgbClr val="55575b"/>
+                </a:solidFill>
+                <a:latin typeface="Roboto"/>
+                <a:ea typeface="Roboto"/>
+              </a:rPr>
+              <a:t>we can deal with close event well known reasons</a:t>
+            </a:r>
+            <a:endParaRPr b="0" lang="en-CA" sz="1400" spc="-1" strike="noStrike">
+              <a:latin typeface="Arial"/>
+            </a:endParaRPr>
+          </a:p>
+          <a:p>
+            <a:pPr marL="228600" indent="-227880">
+              <a:lnSpc>
+                <a:spcPct val="90000"/>
+              </a:lnSpc>
+              <a:spcBef>
+                <a:spcPts val="1001"/>
+              </a:spcBef>
+              <a:buClr>
+                <a:srgbClr val="8cc63f"/>
+              </a:buClr>
+              <a:buFont typeface="Arial"/>
+              <a:buChar char="•"/>
+              <a:tabLst>
+                <a:tab algn="l" pos="204120"/>
+              </a:tabLst>
+            </a:pPr>
+            <a:r>
+              <a:rPr b="0" lang="en-US" sz="1400" spc="-1" strike="noStrike">
+                <a:solidFill>
+                  <a:srgbClr val="55575b"/>
+                </a:solidFill>
+                <a:latin typeface="Roboto"/>
+                <a:ea typeface="Roboto"/>
+              </a:rPr>
+              <a:t>Node.js single thread nature vs multi-threaded engines (like JVM)</a:t>
+            </a:r>
+            <a:endParaRPr b="0" lang="en-CA" sz="1400" spc="-1" strike="noStrike">
+              <a:latin typeface="Arial"/>
+            </a:endParaRPr>
+          </a:p>
+          <a:p>
+            <a:pPr marL="228600" indent="-227880">
+              <a:lnSpc>
+                <a:spcPct val="90000"/>
+              </a:lnSpc>
+              <a:spcBef>
+                <a:spcPts val="1001"/>
+              </a:spcBef>
+              <a:buClr>
+                <a:srgbClr val="8cc63f"/>
+              </a:buClr>
+              <a:buFont typeface="Arial"/>
+              <a:buChar char="•"/>
+              <a:tabLst>
+                <a:tab algn="l" pos="204120"/>
+              </a:tabLst>
+            </a:pPr>
+            <a:r>
+              <a:rPr b="0" lang="en-US" sz="1400" spc="-1" strike="noStrike">
+                <a:solidFill>
+                  <a:srgbClr val="55575b"/>
+                </a:solidFill>
+                <a:latin typeface="Roboto"/>
+                <a:ea typeface="Roboto"/>
+              </a:rPr>
+              <a:t>InMemory vs Database and Messaging services for better scalability (load balancing)</a:t>
+            </a:r>
+            <a:endParaRPr b="0" lang="en-CA" sz="1400" spc="-1" strike="noStrike">
+              <a:latin typeface="Arial"/>
+            </a:endParaRPr>
+          </a:p>
+        </p:txBody>
+      </p:sp>
+    </p:spTree>
+  </p:cSld>
+  <mc:AlternateContent>
+    <mc:Choice Requires="p14">
+      <p:transition spd="med" p14:dur="700">
+        <p:fade/>
+      </p:transition>
+    </mc:Choice>
+    <mc:Fallback>
+      <p:transition spd="med">
+        <p:fade/>
+      </p:transition>
+    </mc:Fallback>
+  </mc:AlternateContent>
+</p:sld>
+</file>
+
+<file path=ppt/slides/slide15.xml><?xml version="1.0" encoding="utf-8"?>
+<p:sld xmlns:a="http://schemas.openxmlformats.org/drawingml/2006/main" xmlns:p="http://schemas.openxmlformats.org/presentationml/2006/main" xmlns:r="http://schemas.openxmlformats.org/officeDocument/2006/relationships" xmlns:p14="http://schemas.microsoft.com/office/powerpoint/2010/main" xmlns:p15="http://schemas.microsoft.com/office/powerpoint/2012/main" xmlns:mc="http://schemas.openxmlformats.org/markup-compatibility/2006">
+  <p:cSld>
+    <p:spTree>
+      <p:nvGrpSpPr>
+        <p:cNvPr id="1" name=""/>
+        <p:cNvGrpSpPr/>
+        <p:nvPr/>
+      </p:nvGrpSpPr>
+      <p:grpSpPr>
+        <a:xfrm>
+          <a:off x="0" y="0"/>
+          <a:ext cx="0" cy="0"/>
+          <a:chOff x="0" y="0"/>
+          <a:chExt cx="0" cy="0"/>
+        </a:xfrm>
+      </p:grpSpPr>
+      <p:sp>
+        <p:nvSpPr>
+          <p:cNvPr id="332" name="CustomShape 1"/>
           <p:cNvSpPr/>
           <p:nvPr/>
         </p:nvSpPr>
@@ -14450,7 +14683,7 @@
       </p:sp>
       <p:sp>
         <p:nvSpPr>
-          <p:cNvPr id="329" name="CustomShape 2"/>
+          <p:cNvPr id="333" name="CustomShape 2"/>
           <p:cNvSpPr/>
           <p:nvPr/>
         </p:nvSpPr>

--- a/docs/L&L WebSockets tutorial 2022-10-06.pptx
+++ b/docs/L&L WebSockets tutorial 2022-10-06.pptx
@@ -13722,6 +13722,37 @@
                 <a:latin typeface="Roboto"/>
                 <a:ea typeface="Roboto"/>
               </a:rPr>
+              <a:t>On client side we have to decide what’s the life cycle of the socket: could be bound to the lifecycle of the component (created on mount, destroyed on unmount) but could be bound also to the whole application</a:t>
+            </a:r>
+            <a:endParaRPr b="0" lang="en-CA" sz="1400" spc="-1" strike="noStrike">
+              <a:latin typeface="Arial"/>
+            </a:endParaRPr>
+          </a:p>
+          <a:p>
+            <a:pPr marL="228600" indent="-227520">
+              <a:lnSpc>
+                <a:spcPct val="90000"/>
+              </a:lnSpc>
+              <a:spcBef>
+                <a:spcPts val="1001"/>
+              </a:spcBef>
+              <a:buClr>
+                <a:srgbClr val="8cc63f"/>
+              </a:buClr>
+              <a:buFont typeface="Arial"/>
+              <a:buChar char="•"/>
+              <a:tabLst>
+                <a:tab algn="l" pos="204120"/>
+              </a:tabLst>
+            </a:pPr>
+            <a:r>
+              <a:rPr b="0" lang="en-US" sz="1400" spc="-1" strike="noStrike">
+                <a:solidFill>
+                  <a:srgbClr val="55575b"/>
+                </a:solidFill>
+                <a:latin typeface="Roboto"/>
+                <a:ea typeface="Roboto"/>
+              </a:rPr>
               <a:t>does not include reconnection, authentication and many other high-level mechanisms. So there are client/server libraries for that, and it’s also possible to implement these capabilities manually</a:t>
             </a:r>
             <a:endParaRPr b="0" lang="en-CA" sz="1400" spc="-1" strike="noStrike">
@@ -13847,6 +13878,68 @@
                 <a:ea typeface="Roboto"/>
               </a:rPr>
               <a:t>InMemory vs Database and Messaging services for better scalability (load balancing)</a:t>
+            </a:r>
+            <a:endParaRPr b="0" lang="en-CA" sz="1400" spc="-1" strike="noStrike">
+              <a:latin typeface="Arial"/>
+            </a:endParaRPr>
+          </a:p>
+          <a:p>
+            <a:pPr marL="228600" indent="-227520">
+              <a:lnSpc>
+                <a:spcPct val="90000"/>
+              </a:lnSpc>
+              <a:spcBef>
+                <a:spcPts val="1001"/>
+              </a:spcBef>
+              <a:buClr>
+                <a:srgbClr val="8cc63f"/>
+              </a:buClr>
+              <a:buFont typeface="Arial"/>
+              <a:buChar char="•"/>
+              <a:tabLst>
+                <a:tab algn="l" pos="204120"/>
+              </a:tabLst>
+            </a:pPr>
+            <a:r>
+              <a:rPr b="0" lang="en-US" sz="1400" spc="-1" strike="noStrike">
+                <a:solidFill>
+                  <a:srgbClr val="55575b"/>
+                </a:solidFill>
+                <a:latin typeface="Roboto"/>
+                <a:ea typeface="Roboto"/>
+              </a:rPr>
+              <a:t>WebSocket usage is even simplified with Express or Nest.js</a:t>
+            </a:r>
+            <a:endParaRPr b="0" lang="en-CA" sz="1400" spc="-1" strike="noStrike">
+              <a:latin typeface="Arial"/>
+            </a:endParaRPr>
+          </a:p>
+          <a:p>
+            <a:pPr marL="228600" indent="-227520">
+              <a:lnSpc>
+                <a:spcPct val="90000"/>
+              </a:lnSpc>
+              <a:spcBef>
+                <a:spcPts val="1001"/>
+              </a:spcBef>
+              <a:buClr>
+                <a:srgbClr val="8cc63f"/>
+              </a:buClr>
+              <a:buFont typeface="Arial"/>
+              <a:buChar char="•"/>
+              <a:tabLst>
+                <a:tab algn="l" pos="204120"/>
+              </a:tabLst>
+            </a:pPr>
+            <a:r>
+              <a:rPr b="0" lang="en-US" sz="1400" spc="-1" strike="noStrike">
+                <a:solidFill>
+                  <a:srgbClr val="55575b"/>
+                </a:solidFill>
+                <a:latin typeface="Roboto"/>
+                <a:ea typeface="Roboto"/>
+              </a:rPr>
+              <a:t>Socket.io + socket.io-client is the way to go (room handling, protocol upgrade, payload types...)</a:t>
             </a:r>
             <a:endParaRPr b="0" lang="en-CA" sz="1400" spc="-1" strike="noStrike">
               <a:latin typeface="Arial"/>
@@ -14105,8 +14198,137 @@
                 </a:solidFill>
                 <a:latin typeface="Roboto"/>
                 <a:ea typeface="Roboto"/>
+                <a:hlinkClick r:id="rId1"/>
               </a:rPr>
               <a:t>https://javascript.info/websocket</a:t>
+            </a:r>
+            <a:endParaRPr b="0" lang="en-CA" sz="1400" spc="-1" strike="noStrike">
+              <a:latin typeface="Arial"/>
+            </a:endParaRPr>
+          </a:p>
+          <a:p>
+            <a:pPr marL="228600" indent="-227520">
+              <a:lnSpc>
+                <a:spcPct val="90000"/>
+              </a:lnSpc>
+              <a:spcBef>
+                <a:spcPts val="1001"/>
+              </a:spcBef>
+              <a:buClr>
+                <a:srgbClr val="8cc63f"/>
+              </a:buClr>
+              <a:buFont typeface="Arial"/>
+              <a:buChar char="•"/>
+              <a:tabLst>
+                <a:tab algn="l" pos="204120"/>
+              </a:tabLst>
+            </a:pPr>
+            <a:r>
+              <a:rPr b="0" lang="en-US" sz="1400" spc="-1" strike="noStrike">
+                <a:solidFill>
+                  <a:srgbClr val="55575b"/>
+                </a:solidFill>
+                <a:latin typeface="Roboto"/>
+                <a:ea typeface="Roboto"/>
+                <a:hlinkClick r:id="rId2"/>
+              </a:rPr>
+              <a:t>https://socket.io/</a:t>
+            </a:r>
+            <a:endParaRPr b="0" lang="en-CA" sz="1400" spc="-1" strike="noStrike">
+              <a:latin typeface="Arial"/>
+            </a:endParaRPr>
+          </a:p>
+          <a:p>
+            <a:pPr marL="228600" indent="-227520">
+              <a:lnSpc>
+                <a:spcPct val="90000"/>
+              </a:lnSpc>
+              <a:spcBef>
+                <a:spcPts val="1001"/>
+              </a:spcBef>
+              <a:buClr>
+                <a:srgbClr val="8cc63f"/>
+              </a:buClr>
+              <a:buFont typeface="Arial"/>
+              <a:buChar char="•"/>
+              <a:tabLst>
+                <a:tab algn="l" pos="204120"/>
+              </a:tabLst>
+            </a:pPr>
+            <a:r>
+              <a:rPr b="0" lang="en-US" sz="1400" spc="-1" strike="noStrike">
+                <a:solidFill>
+                  <a:srgbClr val="55575b"/>
+                </a:solidFill>
+                <a:latin typeface="Roboto"/>
+                <a:ea typeface="Roboto"/>
+                <a:hlinkClick r:id="rId3"/>
+              </a:rPr>
+              <a:t>https://www.youtube.com/watch?v=NU-HfZY3ATQ</a:t>
+            </a:r>
+            <a:endParaRPr b="0" lang="en-CA" sz="1400" spc="-1" strike="noStrike">
+              <a:latin typeface="Arial"/>
+            </a:endParaRPr>
+          </a:p>
+          <a:p>
+            <a:pPr lvl="1" marL="432000" indent="-216000">
+              <a:lnSpc>
+                <a:spcPct val="90000"/>
+              </a:lnSpc>
+              <a:spcBef>
+                <a:spcPts val="1001"/>
+              </a:spcBef>
+              <a:buClr>
+                <a:srgbClr val="000000"/>
+              </a:buClr>
+              <a:buSzPct val="45000"/>
+              <a:buFont typeface="Wingdings" charset="2"/>
+              <a:buChar char=""/>
+              <a:tabLst>
+                <a:tab algn="l" pos="204120"/>
+              </a:tabLst>
+            </a:pPr>
+            <a:r>
+              <a:rPr b="0" lang="en-US" sz="1400" spc="-1" strike="noStrike">
+                <a:solidFill>
+                  <a:srgbClr val="55575b"/>
+                </a:solidFill>
+                <a:latin typeface="Roboto"/>
+                <a:ea typeface="Roboto"/>
+              </a:rPr>
+              <a:t>BE: Express with Socket.io</a:t>
+            </a:r>
+            <a:endParaRPr b="0" lang="en-CA" sz="1400" spc="-1" strike="noStrike">
+              <a:latin typeface="Arial"/>
+            </a:endParaRPr>
+          </a:p>
+          <a:p>
+            <a:pPr lvl="1" marL="432000" indent="-216000">
+              <a:lnSpc>
+                <a:spcPct val="90000"/>
+              </a:lnSpc>
+              <a:spcBef>
+                <a:spcPts val="1001"/>
+              </a:spcBef>
+              <a:buClr>
+                <a:srgbClr val="000000"/>
+              </a:buClr>
+              <a:buSzPct val="45000"/>
+              <a:buFont typeface="Wingdings" charset="2"/>
+              <a:buChar char=""/>
+              <a:tabLst>
+                <a:tab algn="l" pos="204120"/>
+              </a:tabLst>
+            </a:pPr>
+            <a:r>
+              <a:rPr b="0" lang="en-US" sz="1400" spc="-1" strike="noStrike">
+                <a:solidFill>
+                  <a:srgbClr val="55575b"/>
+                </a:solidFill>
+                <a:latin typeface="Roboto"/>
+                <a:ea typeface="Roboto"/>
+              </a:rPr>
+              <a:t>FE: React with Socket.io-client</a:t>
             </a:r>
             <a:endParaRPr b="0" lang="en-CA" sz="1400" spc="-1" strike="noStrike">
               <a:latin typeface="Arial"/>
@@ -14168,7 +14390,7 @@
                 <a:uFillTx/>
                 <a:latin typeface="Roboto"/>
                 <a:ea typeface="Roboto"/>
-                <a:hlinkClick r:id="rId1"/>
+                <a:hlinkClick r:id="rId4"/>
               </a:rPr>
               <a:t>https://github.com/amwebexpert/ws-poker-planning</a:t>
             </a:r>
